--- a/final project.pptx
+++ b/final project.pptx
@@ -296,7 +296,7 @@
           <a:p>
             <a:fld id="{5BCAD085-E8A6-8845-BD4E-CB4CCA059FC4}" type="datetimeFigureOut">
               <a:rPr lang="en-US" smtClean="0"/>
-              <a:t>12/23/2025</a:t>
+              <a:t>12/26/25</a:t>
             </a:fld>
             <a:endParaRPr lang="en-US"/>
           </a:p>
@@ -466,7 +466,7 @@
           <a:p>
             <a:fld id="{5BCAD085-E8A6-8845-BD4E-CB4CCA059FC4}" type="datetimeFigureOut">
               <a:rPr lang="en-US" smtClean="0"/>
-              <a:t>12/23/2025</a:t>
+              <a:t>12/26/25</a:t>
             </a:fld>
             <a:endParaRPr lang="en-US"/>
           </a:p>
@@ -646,7 +646,7 @@
           <a:p>
             <a:fld id="{5BCAD085-E8A6-8845-BD4E-CB4CCA059FC4}" type="datetimeFigureOut">
               <a:rPr lang="en-US" smtClean="0"/>
-              <a:t>12/23/2025</a:t>
+              <a:t>12/26/25</a:t>
             </a:fld>
             <a:endParaRPr lang="en-US"/>
           </a:p>
@@ -816,7 +816,7 @@
           <a:p>
             <a:fld id="{5BCAD085-E8A6-8845-BD4E-CB4CCA059FC4}" type="datetimeFigureOut">
               <a:rPr lang="en-US" smtClean="0"/>
-              <a:t>12/23/2025</a:t>
+              <a:t>12/26/25</a:t>
             </a:fld>
             <a:endParaRPr lang="en-US"/>
           </a:p>
@@ -1084,7 +1084,7 @@
           <a:p>
             <a:fld id="{5BCAD085-E8A6-8845-BD4E-CB4CCA059FC4}" type="datetimeFigureOut">
               <a:rPr lang="en-US" smtClean="0"/>
-              <a:t>12/23/2025</a:t>
+              <a:t>12/26/25</a:t>
             </a:fld>
             <a:endParaRPr lang="en-US"/>
           </a:p>
@@ -1316,7 +1316,7 @@
           <a:p>
             <a:fld id="{5BCAD085-E8A6-8845-BD4E-CB4CCA059FC4}" type="datetimeFigureOut">
               <a:rPr lang="en-US" smtClean="0"/>
-              <a:t>12/23/2025</a:t>
+              <a:t>12/26/25</a:t>
             </a:fld>
             <a:endParaRPr lang="en-US"/>
           </a:p>
@@ -1675,7 +1675,7 @@
           <a:p>
             <a:fld id="{5BCAD085-E8A6-8845-BD4E-CB4CCA059FC4}" type="datetimeFigureOut">
               <a:rPr lang="en-US" smtClean="0"/>
-              <a:t>12/23/2025</a:t>
+              <a:t>12/26/25</a:t>
             </a:fld>
             <a:endParaRPr lang="en-US"/>
           </a:p>
@@ -1816,7 +1816,7 @@
           <a:p>
             <a:fld id="{5BCAD085-E8A6-8845-BD4E-CB4CCA059FC4}" type="datetimeFigureOut">
               <a:rPr lang="en-US" smtClean="0"/>
-              <a:t>12/23/2025</a:t>
+              <a:t>12/26/25</a:t>
             </a:fld>
             <a:endParaRPr lang="en-US"/>
           </a:p>
@@ -1911,7 +1911,7 @@
           <a:p>
             <a:fld id="{5BCAD085-E8A6-8845-BD4E-CB4CCA059FC4}" type="datetimeFigureOut">
               <a:rPr lang="en-US" smtClean="0"/>
-              <a:t>12/23/2025</a:t>
+              <a:t>12/26/25</a:t>
             </a:fld>
             <a:endParaRPr lang="en-US"/>
           </a:p>
@@ -2268,7 +2268,7 @@
           <a:p>
             <a:fld id="{5BCAD085-E8A6-8845-BD4E-CB4CCA059FC4}" type="datetimeFigureOut">
               <a:rPr lang="en-US" smtClean="0"/>
-              <a:t>12/23/2025</a:t>
+              <a:t>12/26/25</a:t>
             </a:fld>
             <a:endParaRPr lang="en-US"/>
           </a:p>
@@ -2627,7 +2627,7 @@
           <a:p>
             <a:fld id="{5BCAD085-E8A6-8845-BD4E-CB4CCA059FC4}" type="datetimeFigureOut">
               <a:rPr lang="en-US" smtClean="0"/>
-              <a:t>12/23/2025</a:t>
+              <a:t>12/26/25</a:t>
             </a:fld>
             <a:endParaRPr lang="en-US"/>
           </a:p>
@@ -2871,7 +2871,7 @@
           <a:p>
             <a:fld id="{5BCAD085-E8A6-8845-BD4E-CB4CCA059FC4}" type="datetimeFigureOut">
               <a:rPr lang="en-US" smtClean="0"/>
-              <a:t>12/23/2025</a:t>
+              <a:t>12/26/25</a:t>
             </a:fld>
             <a:endParaRPr lang="en-US"/>
           </a:p>
@@ -3594,12 +3594,16 @@
               <a:t>約</a:t>
             </a:r>
             <a:r>
-              <a:rPr lang="en-US" altLang="zh-TW" dirty="0"/>
-              <a:t>5:5</a:t>
-            </a:r>
-            <a:r>
-              <a:rPr lang="zh-TW" altLang="en-US"/>
-              <a:t>，但多數為共同討論完成</a:t>
+              <a:rPr lang="en-US" altLang="zh-TW"/>
+              <a:t>50:50</a:t>
+            </a:r>
+            <a:r>
+              <a:rPr lang="zh-TW" altLang="en-US"/>
+              <a:t>，</a:t>
+            </a:r>
+            <a:r>
+              <a:rPr lang="zh-TW" altLang="en-US" dirty="0"/>
+              <a:t>但多數為共同討論完成</a:t>
             </a:r>
             <a:endParaRPr dirty="0"/>
           </a:p>
